--- a/Derivations/Derivations.pptx
+++ b/Derivations/Derivations.pptx
@@ -5,10 +5,10 @@
     <p:sldMasterId id="2147483648" r:id="rId1"/>
   </p:sldMasterIdLst>
   <p:notesMasterIdLst>
-    <p:notesMasterId r:id="rId9"/>
+    <p:notesMasterId r:id="rId10"/>
   </p:notesMasterIdLst>
   <p:handoutMasterIdLst>
-    <p:handoutMasterId r:id="rId10"/>
+    <p:handoutMasterId r:id="rId11"/>
   </p:handoutMasterIdLst>
   <p:sldIdLst>
     <p:sldId id="337" r:id="rId2"/>
@@ -18,6 +18,7 @@
     <p:sldId id="343" r:id="rId6"/>
     <p:sldId id="344" r:id="rId7"/>
     <p:sldId id="341" r:id="rId8"/>
+    <p:sldId id="345" r:id="rId9"/>
   </p:sldIdLst>
   <p:sldSz cx="9144000" cy="6858000" type="screen4x3"/>
   <p:notesSz cx="6797675" cy="9928225"/>
@@ -261,7 +262,7 @@
           <a:p>
             <a:fld id="{0B109F61-1C70-4CE3-B9B6-7863182810C0}" type="datetimeFigureOut">
               <a:rPr lang="en-US" smtClean="0"/>
-              <a:t>7/9/2015</a:t>
+              <a:t>7/20/2015</a:t>
             </a:fld>
             <a:endParaRPr lang="en-US"/>
           </a:p>
@@ -4009,8 +4010,8 @@
           </a:p>
         </p:txBody>
       </p:sp>
-      <mc:AlternateContent xmlns:mc="http://schemas.openxmlformats.org/markup-compatibility/2006">
-        <mc:Choice xmlns:a14="http://schemas.microsoft.com/office/drawing/2010/main" Requires="a14">
+      <mc:AlternateContent xmlns:mc="http://schemas.openxmlformats.org/markup-compatibility/2006" xmlns:a14="http://schemas.microsoft.com/office/drawing/2010/main">
+        <mc:Choice Requires="a14">
           <p:sp>
             <p:nvSpPr>
               <p:cNvPr id="9" name="TextBox 8"/>
@@ -4033,6 +4034,7 @@
               </a:bodyPr>
               <a:lstStyle/>
               <a:p>
+                <a:pPr/>
                 <a14:m>
                   <m:oMathPara xmlns:m="http://schemas.openxmlformats.org/officeDocument/2006/math">
                     <m:oMathParaPr>
@@ -4153,7 +4155,7 @@
             </p:txBody>
           </p:sp>
         </mc:Choice>
-        <mc:Fallback>
+        <mc:Fallback xmlns="">
           <p:sp>
             <p:nvSpPr>
               <p:cNvPr id="9" name="TextBox 8"/>
@@ -4192,8 +4194,8 @@
           </p:sp>
         </mc:Fallback>
       </mc:AlternateContent>
-      <mc:AlternateContent xmlns:mc="http://schemas.openxmlformats.org/markup-compatibility/2006">
-        <mc:Choice xmlns:a14="http://schemas.microsoft.com/office/drawing/2010/main" Requires="a14">
+      <mc:AlternateContent xmlns:mc="http://schemas.openxmlformats.org/markup-compatibility/2006" xmlns:a14="http://schemas.microsoft.com/office/drawing/2010/main">
+        <mc:Choice Requires="a14">
           <p:sp>
             <p:nvSpPr>
               <p:cNvPr id="10" name="TextBox 9"/>
@@ -4339,7 +4341,7 @@
             </p:txBody>
           </p:sp>
         </mc:Choice>
-        <mc:Fallback>
+        <mc:Fallback xmlns="">
           <p:sp>
             <p:nvSpPr>
               <p:cNvPr id="10" name="TextBox 9"/>
@@ -4730,8 +4732,8 @@
           </a:p>
         </p:txBody>
       </p:sp>
-      <mc:AlternateContent xmlns:mc="http://schemas.openxmlformats.org/markup-compatibility/2006">
-        <mc:Choice xmlns:a14="http://schemas.microsoft.com/office/drawing/2010/main" Requires="a14">
+      <mc:AlternateContent xmlns:mc="http://schemas.openxmlformats.org/markup-compatibility/2006" xmlns:a14="http://schemas.microsoft.com/office/drawing/2010/main">
+        <mc:Choice Requires="a14">
           <p:sp>
             <p:nvSpPr>
               <p:cNvPr id="6" name="TextBox 5"/>
@@ -4754,6 +4756,7 @@
               </a:bodyPr>
               <a:lstStyle/>
               <a:p>
+                <a:pPr/>
                 <a14:m>
                   <m:oMathPara xmlns:m="http://schemas.openxmlformats.org/officeDocument/2006/math">
                     <m:oMathParaPr>
@@ -5581,16 +5584,7 @@
                               </a:solidFill>
                               <a:latin typeface="Cambria Math" panose="02040503050406030204" pitchFamily="18" charset="0"/>
                             </a:rPr>
-                            <m:t>1</m:t>
-                          </m:r>
-                          <m:r>
-                            <a:rPr lang="en-US" b="0" i="1" smtClean="0">
-                              <a:solidFill>
-                                <a:srgbClr val="0404BC"/>
-                              </a:solidFill>
-                              <a:latin typeface="Cambria Math" panose="02040503050406030204" pitchFamily="18" charset="0"/>
-                            </a:rPr>
-                            <m:t>+</m:t>
+                            <m:t>1+</m:t>
                           </m:r>
                           <m:r>
                             <a:rPr lang="en-US" b="0" i="1" smtClean="0">
@@ -5775,7 +5769,7 @@
             </p:txBody>
           </p:sp>
         </mc:Choice>
-        <mc:Fallback>
+        <mc:Fallback xmlns="">
           <p:sp>
             <p:nvSpPr>
               <p:cNvPr id="6" name="TextBox 5"/>
@@ -5851,8 +5845,8 @@
           <a:chExt cx="0" cy="0"/>
         </a:xfrm>
       </p:grpSpPr>
-      <mc:AlternateContent xmlns:mc="http://schemas.openxmlformats.org/markup-compatibility/2006">
-        <mc:Choice xmlns:a14="http://schemas.microsoft.com/office/drawing/2010/main" Requires="a14">
+      <mc:AlternateContent xmlns:mc="http://schemas.openxmlformats.org/markup-compatibility/2006" xmlns:a14="http://schemas.microsoft.com/office/drawing/2010/main">
+        <mc:Choice Requires="a14">
           <p:sp>
             <p:nvSpPr>
               <p:cNvPr id="2" name="TextBox 1"/>
@@ -6095,7 +6089,7 @@
             </p:txBody>
           </p:sp>
         </mc:Choice>
-        <mc:Fallback>
+        <mc:Fallback xmlns="">
           <p:sp>
             <p:nvSpPr>
               <p:cNvPr id="2" name="TextBox 1"/>
@@ -6310,6 +6304,144 @@
       </p:par>
     </p:tnLst>
   </p:timing>
+</p:sld>
+</file>
+
+<file path=ppt/slides/slide8.xml><?xml version="1.0" encoding="utf-8"?>
+<p:sld xmlns:a="http://schemas.openxmlformats.org/drawingml/2006/main" xmlns:r="http://schemas.openxmlformats.org/officeDocument/2006/relationships" xmlns:p="http://schemas.openxmlformats.org/presentationml/2006/main">
+  <p:cSld>
+    <p:spTree>
+      <p:nvGrpSpPr>
+        <p:cNvPr id="1" name=""/>
+        <p:cNvGrpSpPr/>
+        <p:nvPr/>
+      </p:nvGrpSpPr>
+      <p:grpSpPr>
+        <a:xfrm>
+          <a:off x="0" y="0"/>
+          <a:ext cx="0" cy="0"/>
+          <a:chOff x="0" y="0"/>
+          <a:chExt cx="0" cy="0"/>
+        </a:xfrm>
+      </p:grpSpPr>
+      <p:pic>
+        <p:nvPicPr>
+          <p:cNvPr id="2" name="Picture 1"/>
+          <p:cNvPicPr>
+            <a:picLocks noChangeAspect="1"/>
+          </p:cNvPicPr>
+          <p:nvPr/>
+        </p:nvPicPr>
+        <p:blipFill>
+          <a:blip r:embed="rId2" cstate="print">
+            <a:extLst>
+              <a:ext uri="{28A0092B-C50C-407E-A947-70E740481C1C}">
+                <a14:useLocalDpi xmlns:a14="http://schemas.microsoft.com/office/drawing/2010/main" val="0"/>
+              </a:ext>
+            </a:extLst>
+          </a:blip>
+          <a:stretch>
+            <a:fillRect/>
+          </a:stretch>
+        </p:blipFill>
+        <p:spPr>
+          <a:xfrm>
+            <a:off x="1676399" y="919963"/>
+            <a:ext cx="5943429" cy="5400154"/>
+          </a:xfrm>
+          <a:prstGeom prst="rect">
+            <a:avLst/>
+          </a:prstGeom>
+        </p:spPr>
+      </p:pic>
+      <p:sp>
+        <p:nvSpPr>
+          <p:cNvPr id="3" name="TextBox 2"/>
+          <p:cNvSpPr txBox="1"/>
+          <p:nvPr/>
+        </p:nvSpPr>
+        <p:spPr>
+          <a:xfrm>
+            <a:off x="1012276" y="62753"/>
+            <a:ext cx="7119446" cy="646331"/>
+          </a:xfrm>
+          <a:prstGeom prst="rect">
+            <a:avLst/>
+          </a:prstGeom>
+          <a:noFill/>
+        </p:spPr>
+        <p:txBody>
+          <a:bodyPr wrap="square" rtlCol="0">
+            <a:spAutoFit/>
+          </a:bodyPr>
+          <a:lstStyle/>
+          <a:p>
+            <a:r>
+              <a:rPr lang="en-US" dirty="0" smtClean="0">
+                <a:solidFill>
+                  <a:schemeClr val="tx1"/>
+                </a:solidFill>
+              </a:rPr>
+              <a:t>UNITS. </a:t>
+            </a:r>
+            <a:r>
+              <a:rPr lang="en-US" dirty="0" smtClean="0">
+                <a:solidFill>
+                  <a:schemeClr val="tx1"/>
+                </a:solidFill>
+              </a:rPr>
+              <a:t>Set </a:t>
+            </a:r>
+            <a:r>
+              <a:rPr lang="en-US" dirty="0" err="1" smtClean="0">
+                <a:solidFill>
+                  <a:schemeClr val="tx1"/>
+                </a:solidFill>
+              </a:rPr>
+              <a:t>Ef</a:t>
+            </a:r>
+            <a:r>
+              <a:rPr lang="en-US" dirty="0" smtClean="0">
+                <a:solidFill>
+                  <a:schemeClr val="tx1"/>
+                </a:solidFill>
+              </a:rPr>
+              <a:t> and Pf as units of energy and momentum, express </a:t>
+            </a:r>
+            <a:r>
+              <a:rPr lang="en-US" dirty="0" err="1" smtClean="0">
+                <a:solidFill>
+                  <a:schemeClr val="tx1"/>
+                </a:solidFill>
+              </a:rPr>
+              <a:t>everthing</a:t>
+            </a:r>
+            <a:r>
+              <a:rPr lang="en-US" dirty="0" smtClean="0">
+                <a:solidFill>
+                  <a:schemeClr val="tx1"/>
+                </a:solidFill>
+              </a:rPr>
+              <a:t> else through them. </a:t>
+            </a:r>
+            <a:endParaRPr lang="en-US" dirty="0">
+              <a:solidFill>
+                <a:schemeClr val="tx1"/>
+              </a:solidFill>
+            </a:endParaRPr>
+          </a:p>
+        </p:txBody>
+      </p:sp>
+    </p:spTree>
+    <p:extLst>
+      <p:ext uri="{BB962C8B-B14F-4D97-AF65-F5344CB8AC3E}">
+        <p14:creationId xmlns:p14="http://schemas.microsoft.com/office/powerpoint/2010/main" val="1428248696"/>
+      </p:ext>
+    </p:extLst>
+  </p:cSld>
+  <p:clrMapOvr>
+    <a:masterClrMapping/>
+  </p:clrMapOvr>
 </p:sld>
 </file>
 
